--- a/42Media.pptx
+++ b/42Media.pptx
@@ -5,18 +5,20 @@
     <p:sldMasterId id="2147483649" r:id="rId1"/>
   </p:sldMasterIdLst>
   <p:notesMasterIdLst>
-    <p:notesMasterId r:id="rId8"/>
+    <p:notesMasterId r:id="rId10"/>
   </p:notesMasterIdLst>
   <p:handoutMasterIdLst>
-    <p:handoutMasterId r:id="rId9"/>
+    <p:handoutMasterId r:id="rId11"/>
   </p:handoutMasterIdLst>
   <p:sldIdLst>
     <p:sldId id="367" r:id="rId2"/>
     <p:sldId id="368" r:id="rId3"/>
     <p:sldId id="369" r:id="rId4"/>
-    <p:sldId id="370" r:id="rId5"/>
-    <p:sldId id="371" r:id="rId6"/>
-    <p:sldId id="372" r:id="rId7"/>
+    <p:sldId id="374" r:id="rId5"/>
+    <p:sldId id="370" r:id="rId6"/>
+    <p:sldId id="371" r:id="rId7"/>
+    <p:sldId id="373" r:id="rId8"/>
+    <p:sldId id="372" r:id="rId9"/>
   </p:sldIdLst>
   <p:sldSz cx="9144000" cy="6858000" type="screen4x3"/>
   <p:notesSz cx="9928225" cy="6797675"/>
@@ -145,6 +147,36 @@
       </a:defRPr>
     </a:lvl9pPr>
   </p:defaultTextStyle>
+  <p:extLst>
+    <p:ext uri="{EFAFB233-063F-42B5-8137-9DF3F51BA10A}">
+      <p15:sldGuideLst xmlns:p15="http://schemas.microsoft.com/office/powerpoint/2012/main">
+        <p15:guide id="1" orient="horz">
+          <p15:clr>
+            <a:srgbClr val="A4A3A4"/>
+          </p15:clr>
+        </p15:guide>
+        <p15:guide id="2" pos="1091">
+          <p15:clr>
+            <a:srgbClr val="A4A3A4"/>
+          </p15:clr>
+        </p15:guide>
+      </p15:sldGuideLst>
+    </p:ext>
+    <p:ext uri="{2D200454-40CA-4A62-9FC3-DE9A4176ACB9}">
+      <p15:notesGuideLst xmlns:p15="http://schemas.microsoft.com/office/powerpoint/2012/main">
+        <p15:guide id="1" orient="horz" pos="2140">
+          <p15:clr>
+            <a:srgbClr val="A4A3A4"/>
+          </p15:clr>
+        </p15:guide>
+        <p15:guide id="2" pos="3127">
+          <p15:clr>
+            <a:srgbClr val="A4A3A4"/>
+          </p15:clr>
+        </p15:guide>
+      </p15:notesGuideLst>
+    </p:ext>
+  </p:extLst>
 </p:presentation>
 </file>
 
@@ -198,14 +230,14 @@
           <a:effectLst/>
           <a:extLst>
             <a:ext uri="{909E8E84-426E-40DD-AFC4-6F175D3DCCD1}">
-              <a14:hiddenFill xmlns="" xmlns:a14="http://schemas.microsoft.com/office/drawing/2010/main">
+              <a14:hiddenFill xmlns:a14="http://schemas.microsoft.com/office/drawing/2010/main">
                 <a:solidFill>
                   <a:schemeClr val="accent1"/>
                 </a:solidFill>
               </a14:hiddenFill>
             </a:ext>
             <a:ext uri="{91240B29-F687-4F45-9708-019B960494DF}">
-              <a14:hiddenLine xmlns="" xmlns:a14="http://schemas.microsoft.com/office/drawing/2010/main" w="9525">
+              <a14:hiddenLine xmlns:a14="http://schemas.microsoft.com/office/drawing/2010/main" w="9525">
                 <a:solidFill>
                   <a:schemeClr val="tx1"/>
                 </a:solidFill>
@@ -215,7 +247,7 @@
               </a14:hiddenLine>
             </a:ext>
             <a:ext uri="{AF507438-7753-43E0-B8FC-AC1667EBCBE1}">
-              <a14:hiddenEffects xmlns="" xmlns:a14="http://schemas.microsoft.com/office/drawing/2010/main">
+              <a14:hiddenEffects xmlns:a14="http://schemas.microsoft.com/office/drawing/2010/main">
                 <a:effectLst>
                   <a:outerShdw dist="35921" dir="2700000" algn="ctr" rotWithShape="0">
                     <a:schemeClr val="bg2"/>
@@ -269,14 +301,14 @@
           <a:effectLst/>
           <a:extLst>
             <a:ext uri="{909E8E84-426E-40DD-AFC4-6F175D3DCCD1}">
-              <a14:hiddenFill xmlns="" xmlns:a14="http://schemas.microsoft.com/office/drawing/2010/main">
+              <a14:hiddenFill xmlns:a14="http://schemas.microsoft.com/office/drawing/2010/main">
                 <a:solidFill>
                   <a:schemeClr val="accent1"/>
                 </a:solidFill>
               </a14:hiddenFill>
             </a:ext>
             <a:ext uri="{91240B29-F687-4F45-9708-019B960494DF}">
-              <a14:hiddenLine xmlns="" xmlns:a14="http://schemas.microsoft.com/office/drawing/2010/main" w="9525">
+              <a14:hiddenLine xmlns:a14="http://schemas.microsoft.com/office/drawing/2010/main" w="9525">
                 <a:solidFill>
                   <a:schemeClr val="tx1"/>
                 </a:solidFill>
@@ -286,7 +318,7 @@
               </a14:hiddenLine>
             </a:ext>
             <a:ext uri="{AF507438-7753-43E0-B8FC-AC1667EBCBE1}">
-              <a14:hiddenEffects xmlns="" xmlns:a14="http://schemas.microsoft.com/office/drawing/2010/main">
+              <a14:hiddenEffects xmlns:a14="http://schemas.microsoft.com/office/drawing/2010/main">
                 <a:effectLst>
                   <a:outerShdw dist="35921" dir="2700000" algn="ctr" rotWithShape="0">
                     <a:schemeClr val="bg2"/>
@@ -340,14 +372,14 @@
           <a:effectLst/>
           <a:extLst>
             <a:ext uri="{909E8E84-426E-40DD-AFC4-6F175D3DCCD1}">
-              <a14:hiddenFill xmlns="" xmlns:a14="http://schemas.microsoft.com/office/drawing/2010/main">
+              <a14:hiddenFill xmlns:a14="http://schemas.microsoft.com/office/drawing/2010/main">
                 <a:solidFill>
                   <a:schemeClr val="accent1"/>
                 </a:solidFill>
               </a14:hiddenFill>
             </a:ext>
             <a:ext uri="{91240B29-F687-4F45-9708-019B960494DF}">
-              <a14:hiddenLine xmlns="" xmlns:a14="http://schemas.microsoft.com/office/drawing/2010/main" w="9525">
+              <a14:hiddenLine xmlns:a14="http://schemas.microsoft.com/office/drawing/2010/main" w="9525">
                 <a:solidFill>
                   <a:schemeClr val="tx1"/>
                 </a:solidFill>
@@ -357,7 +389,7 @@
               </a14:hiddenLine>
             </a:ext>
             <a:ext uri="{AF507438-7753-43E0-B8FC-AC1667EBCBE1}">
-              <a14:hiddenEffects xmlns="" xmlns:a14="http://schemas.microsoft.com/office/drawing/2010/main">
+              <a14:hiddenEffects xmlns:a14="http://schemas.microsoft.com/office/drawing/2010/main">
                 <a:effectLst>
                   <a:outerShdw dist="35921" dir="2700000" algn="ctr" rotWithShape="0">
                     <a:schemeClr val="bg2"/>
@@ -411,14 +443,14 @@
           <a:effectLst/>
           <a:extLst>
             <a:ext uri="{909E8E84-426E-40DD-AFC4-6F175D3DCCD1}">
-              <a14:hiddenFill xmlns="" xmlns:a14="http://schemas.microsoft.com/office/drawing/2010/main">
+              <a14:hiddenFill xmlns:a14="http://schemas.microsoft.com/office/drawing/2010/main">
                 <a:solidFill>
                   <a:schemeClr val="accent1"/>
                 </a:solidFill>
               </a14:hiddenFill>
             </a:ext>
             <a:ext uri="{91240B29-F687-4F45-9708-019B960494DF}">
-              <a14:hiddenLine xmlns="" xmlns:a14="http://schemas.microsoft.com/office/drawing/2010/main" w="9525">
+              <a14:hiddenLine xmlns:a14="http://schemas.microsoft.com/office/drawing/2010/main" w="9525">
                 <a:solidFill>
                   <a:schemeClr val="tx1"/>
                 </a:solidFill>
@@ -428,7 +460,7 @@
               </a14:hiddenLine>
             </a:ext>
             <a:ext uri="{AF507438-7753-43E0-B8FC-AC1667EBCBE1}">
-              <a14:hiddenEffects xmlns="" xmlns:a14="http://schemas.microsoft.com/office/drawing/2010/main">
+              <a14:hiddenEffects xmlns:a14="http://schemas.microsoft.com/office/drawing/2010/main">
                 <a:effectLst>
                   <a:outerShdw dist="35921" dir="2700000" algn="ctr" rotWithShape="0">
                     <a:schemeClr val="bg2"/>
@@ -467,7 +499,7 @@
     </p:spTree>
     <p:extLst>
       <p:ext uri="{BB962C8B-B14F-4D97-AF65-F5344CB8AC3E}">
-        <p14:creationId xmlns="" xmlns:p14="http://schemas.microsoft.com/office/powerpoint/2010/main" val="1669010643"/>
+        <p14:creationId xmlns:p14="http://schemas.microsoft.com/office/powerpoint/2010/main" val="1669010643"/>
       </p:ext>
     </p:extLst>
   </p:cSld>
@@ -525,14 +557,14 @@
           <a:effectLst/>
           <a:extLst>
             <a:ext uri="{909E8E84-426E-40DD-AFC4-6F175D3DCCD1}">
-              <a14:hiddenFill xmlns="" xmlns:a14="http://schemas.microsoft.com/office/drawing/2010/main">
+              <a14:hiddenFill xmlns:a14="http://schemas.microsoft.com/office/drawing/2010/main">
                 <a:solidFill>
                   <a:schemeClr val="accent1"/>
                 </a:solidFill>
               </a14:hiddenFill>
             </a:ext>
             <a:ext uri="{91240B29-F687-4F45-9708-019B960494DF}">
-              <a14:hiddenLine xmlns="" xmlns:a14="http://schemas.microsoft.com/office/drawing/2010/main" w="9525">
+              <a14:hiddenLine xmlns:a14="http://schemas.microsoft.com/office/drawing/2010/main" w="9525">
                 <a:solidFill>
                   <a:schemeClr val="tx1"/>
                 </a:solidFill>
@@ -542,7 +574,7 @@
               </a14:hiddenLine>
             </a:ext>
             <a:ext uri="{AF507438-7753-43E0-B8FC-AC1667EBCBE1}">
-              <a14:hiddenEffects xmlns="" xmlns:a14="http://schemas.microsoft.com/office/drawing/2010/main">
+              <a14:hiddenEffects xmlns:a14="http://schemas.microsoft.com/office/drawing/2010/main">
                 <a:effectLst>
                   <a:outerShdw dist="35921" dir="2700000" algn="ctr" rotWithShape="0">
                     <a:schemeClr val="bg2"/>
@@ -596,14 +628,14 @@
           <a:effectLst/>
           <a:extLst>
             <a:ext uri="{909E8E84-426E-40DD-AFC4-6F175D3DCCD1}">
-              <a14:hiddenFill xmlns="" xmlns:a14="http://schemas.microsoft.com/office/drawing/2010/main">
+              <a14:hiddenFill xmlns:a14="http://schemas.microsoft.com/office/drawing/2010/main">
                 <a:solidFill>
                   <a:schemeClr val="accent1"/>
                 </a:solidFill>
               </a14:hiddenFill>
             </a:ext>
             <a:ext uri="{91240B29-F687-4F45-9708-019B960494DF}">
-              <a14:hiddenLine xmlns="" xmlns:a14="http://schemas.microsoft.com/office/drawing/2010/main" w="9525">
+              <a14:hiddenLine xmlns:a14="http://schemas.microsoft.com/office/drawing/2010/main" w="9525">
                 <a:solidFill>
                   <a:schemeClr val="tx1"/>
                 </a:solidFill>
@@ -613,7 +645,7 @@
               </a14:hiddenLine>
             </a:ext>
             <a:ext uri="{AF507438-7753-43E0-B8FC-AC1667EBCBE1}">
-              <a14:hiddenEffects xmlns="" xmlns:a14="http://schemas.microsoft.com/office/drawing/2010/main">
+              <a14:hiddenEffects xmlns:a14="http://schemas.microsoft.com/office/drawing/2010/main">
                 <a:effectLst>
                   <a:outerShdw dist="35921" dir="2700000" algn="ctr" rotWithShape="0">
                     <a:schemeClr val="bg2"/>
@@ -672,14 +704,14 @@
           <a:effectLst/>
           <a:extLst>
             <a:ext uri="{909E8E84-426E-40DD-AFC4-6F175D3DCCD1}">
-              <a14:hiddenFill xmlns="" xmlns:a14="http://schemas.microsoft.com/office/drawing/2010/main">
+              <a14:hiddenFill xmlns:a14="http://schemas.microsoft.com/office/drawing/2010/main">
                 <a:solidFill>
                   <a:srgbClr val="FFFFFF"/>
                 </a:solidFill>
               </a14:hiddenFill>
             </a:ext>
             <a:ext uri="{AF507438-7753-43E0-B8FC-AC1667EBCBE1}">
-              <a14:hiddenEffects xmlns="" xmlns:a14="http://schemas.microsoft.com/office/drawing/2010/main">
+              <a14:hiddenEffects xmlns:a14="http://schemas.microsoft.com/office/drawing/2010/main">
                 <a:effectLst>
                   <a:outerShdw dist="35921" dir="2700000" algn="ctr" rotWithShape="0">
                     <a:srgbClr val="808080"/>
@@ -688,7 +720,7 @@
               </a14:hiddenEffects>
             </a:ext>
             <a:ext uri="{53640926-AAD7-44D8-BBD7-CCE9431645EC}">
-              <a14:shadowObscured xmlns="" xmlns:a14="http://schemas.microsoft.com/office/drawing/2010/main" val="1"/>
+              <a14:shadowObscured xmlns:a14="http://schemas.microsoft.com/office/drawing/2010/main" val="1"/>
             </a:ext>
           </a:extLst>
         </p:spPr>
@@ -718,14 +750,14 @@
           <a:effectLst/>
           <a:extLst>
             <a:ext uri="{909E8E84-426E-40DD-AFC4-6F175D3DCCD1}">
-              <a14:hiddenFill xmlns="" xmlns:a14="http://schemas.microsoft.com/office/drawing/2010/main">
+              <a14:hiddenFill xmlns:a14="http://schemas.microsoft.com/office/drawing/2010/main">
                 <a:solidFill>
                   <a:schemeClr val="accent1"/>
                 </a:solidFill>
               </a14:hiddenFill>
             </a:ext>
             <a:ext uri="{91240B29-F687-4F45-9708-019B960494DF}">
-              <a14:hiddenLine xmlns="" xmlns:a14="http://schemas.microsoft.com/office/drawing/2010/main" w="9525">
+              <a14:hiddenLine xmlns:a14="http://schemas.microsoft.com/office/drawing/2010/main" w="9525">
                 <a:solidFill>
                   <a:schemeClr val="tx1"/>
                 </a:solidFill>
@@ -735,7 +767,7 @@
               </a14:hiddenLine>
             </a:ext>
             <a:ext uri="{AF507438-7753-43E0-B8FC-AC1667EBCBE1}">
-              <a14:hiddenEffects xmlns="" xmlns:a14="http://schemas.microsoft.com/office/drawing/2010/main">
+              <a14:hiddenEffects xmlns:a14="http://schemas.microsoft.com/office/drawing/2010/main">
                 <a:effectLst>
                   <a:outerShdw dist="35921" dir="2700000" algn="ctr" rotWithShape="0">
                     <a:schemeClr val="bg2"/>
@@ -814,14 +846,14 @@
           <a:effectLst/>
           <a:extLst>
             <a:ext uri="{909E8E84-426E-40DD-AFC4-6F175D3DCCD1}">
-              <a14:hiddenFill xmlns="" xmlns:a14="http://schemas.microsoft.com/office/drawing/2010/main">
+              <a14:hiddenFill xmlns:a14="http://schemas.microsoft.com/office/drawing/2010/main">
                 <a:solidFill>
                   <a:schemeClr val="accent1"/>
                 </a:solidFill>
               </a14:hiddenFill>
             </a:ext>
             <a:ext uri="{91240B29-F687-4F45-9708-019B960494DF}">
-              <a14:hiddenLine xmlns="" xmlns:a14="http://schemas.microsoft.com/office/drawing/2010/main" w="9525">
+              <a14:hiddenLine xmlns:a14="http://schemas.microsoft.com/office/drawing/2010/main" w="9525">
                 <a:solidFill>
                   <a:schemeClr val="tx1"/>
                 </a:solidFill>
@@ -831,7 +863,7 @@
               </a14:hiddenLine>
             </a:ext>
             <a:ext uri="{AF507438-7753-43E0-B8FC-AC1667EBCBE1}">
-              <a14:hiddenEffects xmlns="" xmlns:a14="http://schemas.microsoft.com/office/drawing/2010/main">
+              <a14:hiddenEffects xmlns:a14="http://schemas.microsoft.com/office/drawing/2010/main">
                 <a:effectLst>
                   <a:outerShdw dist="35921" dir="2700000" algn="ctr" rotWithShape="0">
                     <a:schemeClr val="bg2"/>
@@ -885,14 +917,14 @@
           <a:effectLst/>
           <a:extLst>
             <a:ext uri="{909E8E84-426E-40DD-AFC4-6F175D3DCCD1}">
-              <a14:hiddenFill xmlns="" xmlns:a14="http://schemas.microsoft.com/office/drawing/2010/main">
+              <a14:hiddenFill xmlns:a14="http://schemas.microsoft.com/office/drawing/2010/main">
                 <a:solidFill>
                   <a:schemeClr val="accent1"/>
                 </a:solidFill>
               </a14:hiddenFill>
             </a:ext>
             <a:ext uri="{91240B29-F687-4F45-9708-019B960494DF}">
-              <a14:hiddenLine xmlns="" xmlns:a14="http://schemas.microsoft.com/office/drawing/2010/main" w="9525">
+              <a14:hiddenLine xmlns:a14="http://schemas.microsoft.com/office/drawing/2010/main" w="9525">
                 <a:solidFill>
                   <a:schemeClr val="tx1"/>
                 </a:solidFill>
@@ -902,7 +934,7 @@
               </a14:hiddenLine>
             </a:ext>
             <a:ext uri="{AF507438-7753-43E0-B8FC-AC1667EBCBE1}">
-              <a14:hiddenEffects xmlns="" xmlns:a14="http://schemas.microsoft.com/office/drawing/2010/main">
+              <a14:hiddenEffects xmlns:a14="http://schemas.microsoft.com/office/drawing/2010/main">
                 <a:effectLst>
                   <a:outerShdw dist="35921" dir="2700000" algn="ctr" rotWithShape="0">
                     <a:schemeClr val="bg2"/>
@@ -941,7 +973,7 @@
     </p:spTree>
     <p:extLst>
       <p:ext uri="{BB962C8B-B14F-4D97-AF65-F5344CB8AC3E}">
-        <p14:creationId xmlns="" xmlns:p14="http://schemas.microsoft.com/office/powerpoint/2010/main" val="4094411869"/>
+        <p14:creationId xmlns:p14="http://schemas.microsoft.com/office/powerpoint/2010/main" val="4094411869"/>
       </p:ext>
     </p:extLst>
   </p:cSld>
@@ -1100,7 +1132,7 @@
           <a:blip r:embed="rId2" cstate="print">
             <a:extLst>
               <a:ext uri="{28A0092B-C50C-407E-A947-70E740481C1C}">
-                <a14:useLocalDpi xmlns="" xmlns:a14="http://schemas.microsoft.com/office/drawing/2010/main" val="0"/>
+                <a14:useLocalDpi xmlns:a14="http://schemas.microsoft.com/office/drawing/2010/main" val="0"/>
               </a:ext>
             </a:extLst>
           </a:blip>
@@ -1119,7 +1151,7 @@
           <a:noFill/>
           <a:extLst>
             <a:ext uri="{909E8E84-426E-40DD-AFC4-6F175D3DCCD1}">
-              <a14:hiddenFill xmlns="" xmlns:a14="http://schemas.microsoft.com/office/drawing/2010/main">
+              <a14:hiddenFill xmlns:a14="http://schemas.microsoft.com/office/drawing/2010/main">
                 <a:solidFill>
                   <a:srgbClr val="FFFFFF"/>
                 </a:solidFill>
@@ -1140,7 +1172,7 @@
           <a:blip r:embed="rId3" cstate="email">
             <a:extLst>
               <a:ext uri="{28A0092B-C50C-407E-A947-70E740481C1C}">
-                <a14:useLocalDpi xmlns="" xmlns:a14="http://schemas.microsoft.com/office/drawing/2010/main"/>
+                <a14:useLocalDpi xmlns:a14="http://schemas.microsoft.com/office/drawing/2010/main"/>
               </a:ext>
             </a:extLst>
           </a:blip>
@@ -1162,14 +1194,14 @@
           <a:effectLst/>
           <a:extLst>
             <a:ext uri="{909E8E84-426E-40DD-AFC4-6F175D3DCCD1}">
-              <a14:hiddenFill xmlns="" xmlns:a14="http://schemas.microsoft.com/office/drawing/2010/main">
+              <a14:hiddenFill xmlns:a14="http://schemas.microsoft.com/office/drawing/2010/main">
                 <a:solidFill>
                   <a:schemeClr val="accent1"/>
                 </a:solidFill>
               </a14:hiddenFill>
             </a:ext>
             <a:ext uri="{91240B29-F687-4F45-9708-019B960494DF}">
-              <a14:hiddenLine xmlns="" xmlns:a14="http://schemas.microsoft.com/office/drawing/2010/main" w="9525">
+              <a14:hiddenLine xmlns:a14="http://schemas.microsoft.com/office/drawing/2010/main" w="9525">
                 <a:solidFill>
                   <a:schemeClr val="tx1"/>
                 </a:solidFill>
@@ -1179,7 +1211,7 @@
               </a14:hiddenLine>
             </a:ext>
             <a:ext uri="{AF507438-7753-43E0-B8FC-AC1667EBCBE1}">
-              <a14:hiddenEffects xmlns="" xmlns:a14="http://schemas.microsoft.com/office/drawing/2010/main">
+              <a14:hiddenEffects xmlns:a14="http://schemas.microsoft.com/office/drawing/2010/main">
                 <a:effectLst>
                   <a:outerShdw dist="35921" dir="2700000" algn="ctr" rotWithShape="0">
                     <a:schemeClr val="bg2"/>
@@ -1256,14 +1288,14 @@
           <a:noFill/>
           <a:extLst>
             <a:ext uri="{909E8E84-426E-40DD-AFC4-6F175D3DCCD1}">
-              <a14:hiddenFill xmlns="" xmlns:a14="http://schemas.microsoft.com/office/drawing/2010/main">
+              <a14:hiddenFill xmlns:a14="http://schemas.microsoft.com/office/drawing/2010/main">
                 <a:solidFill>
                   <a:schemeClr val="accent1"/>
                 </a:solidFill>
               </a14:hiddenFill>
             </a:ext>
             <a:ext uri="{91240B29-F687-4F45-9708-019B960494DF}">
-              <a14:hiddenLine xmlns="" xmlns:a14="http://schemas.microsoft.com/office/drawing/2010/main" w="9525">
+              <a14:hiddenLine xmlns:a14="http://schemas.microsoft.com/office/drawing/2010/main" w="9525">
                 <a:solidFill>
                   <a:schemeClr val="tx1"/>
                 </a:solidFill>
@@ -1273,7 +1305,7 @@
               </a14:hiddenLine>
             </a:ext>
             <a:ext uri="{AF507438-7753-43E0-B8FC-AC1667EBCBE1}">
-              <a14:hiddenEffects xmlns="" xmlns:a14="http://schemas.microsoft.com/office/drawing/2010/main">
+              <a14:hiddenEffects xmlns:a14="http://schemas.microsoft.com/office/drawing/2010/main">
                 <a:effectLst>
                   <a:outerShdw dist="35921" dir="2700000" algn="ctr" rotWithShape="0">
                     <a:schemeClr val="bg2"/>
@@ -1584,7 +1616,7 @@
           <a:effectLst/>
           <a:extLst>
             <a:ext uri="{91240B29-F687-4F45-9708-019B960494DF}">
-              <a14:hiddenLine xmlns="" xmlns:a14="http://schemas.microsoft.com/office/drawing/2010/main" w="9525">
+              <a14:hiddenLine xmlns:a14="http://schemas.microsoft.com/office/drawing/2010/main" w="9525">
                 <a:solidFill>
                   <a:schemeClr val="tx1"/>
                 </a:solidFill>
@@ -1594,7 +1626,7 @@
               </a14:hiddenLine>
             </a:ext>
             <a:ext uri="{AF507438-7753-43E0-B8FC-AC1667EBCBE1}">
-              <a14:hiddenEffects xmlns="" xmlns:a14="http://schemas.microsoft.com/office/drawing/2010/main">
+              <a14:hiddenEffects xmlns:a14="http://schemas.microsoft.com/office/drawing/2010/main">
                 <a:effectLst>
                   <a:outerShdw dist="35921" dir="2700000" algn="ctr" rotWithShape="0">
                     <a:schemeClr val="bg2"/>
@@ -1802,7 +1834,7 @@
           <a:effectLst/>
           <a:extLst>
             <a:ext uri="{91240B29-F687-4F45-9708-019B960494DF}">
-              <a14:hiddenLine xmlns="" xmlns:a14="http://schemas.microsoft.com/office/drawing/2010/main" w="9525">
+              <a14:hiddenLine xmlns:a14="http://schemas.microsoft.com/office/drawing/2010/main" w="9525">
                 <a:solidFill>
                   <a:schemeClr val="tx1"/>
                 </a:solidFill>
@@ -1812,7 +1844,7 @@
               </a14:hiddenLine>
             </a:ext>
             <a:ext uri="{AF507438-7753-43E0-B8FC-AC1667EBCBE1}">
-              <a14:hiddenEffects xmlns="" xmlns:a14="http://schemas.microsoft.com/office/drawing/2010/main">
+              <a14:hiddenEffects xmlns:a14="http://schemas.microsoft.com/office/drawing/2010/main">
                 <a:effectLst>
                   <a:outerShdw dist="35921" dir="2700000" algn="ctr" rotWithShape="0">
                     <a:schemeClr val="bg2"/>
@@ -1998,7 +2030,7 @@
     </p:spTree>
     <p:extLst>
       <p:ext uri="{BB962C8B-B14F-4D97-AF65-F5344CB8AC3E}">
-        <p14:creationId xmlns="" xmlns:p14="http://schemas.microsoft.com/office/powerpoint/2010/main" val="3997811741"/>
+        <p14:creationId xmlns:p14="http://schemas.microsoft.com/office/powerpoint/2010/main" val="3997811741"/>
       </p:ext>
     </p:extLst>
   </p:cSld>
@@ -2295,7 +2327,7 @@
     </p:spTree>
     <p:extLst>
       <p:ext uri="{BB962C8B-B14F-4D97-AF65-F5344CB8AC3E}">
-        <p14:creationId xmlns="" xmlns:p14="http://schemas.microsoft.com/office/powerpoint/2010/main" val="740450729"/>
+        <p14:creationId xmlns:p14="http://schemas.microsoft.com/office/powerpoint/2010/main" val="740450729"/>
       </p:ext>
     </p:extLst>
   </p:cSld>
@@ -2592,7 +2624,7 @@
     </p:spTree>
     <p:extLst>
       <p:ext uri="{BB962C8B-B14F-4D97-AF65-F5344CB8AC3E}">
-        <p14:creationId xmlns="" xmlns:p14="http://schemas.microsoft.com/office/powerpoint/2010/main" val="1462842395"/>
+        <p14:creationId xmlns:p14="http://schemas.microsoft.com/office/powerpoint/2010/main" val="1462842395"/>
       </p:ext>
     </p:extLst>
   </p:cSld>
@@ -2819,7 +2851,7 @@
     </p:spTree>
     <p:extLst>
       <p:ext uri="{BB962C8B-B14F-4D97-AF65-F5344CB8AC3E}">
-        <p14:creationId xmlns="" xmlns:p14="http://schemas.microsoft.com/office/powerpoint/2010/main" val="1106715229"/>
+        <p14:creationId xmlns:p14="http://schemas.microsoft.com/office/powerpoint/2010/main" val="1106715229"/>
       </p:ext>
     </p:extLst>
   </p:cSld>
@@ -3139,7 +3171,7 @@
     </p:spTree>
     <p:extLst>
       <p:ext uri="{BB962C8B-B14F-4D97-AF65-F5344CB8AC3E}">
-        <p14:creationId xmlns="" xmlns:p14="http://schemas.microsoft.com/office/powerpoint/2010/main" val="1233670126"/>
+        <p14:creationId xmlns:p14="http://schemas.microsoft.com/office/powerpoint/2010/main" val="1233670126"/>
       </p:ext>
     </p:extLst>
   </p:cSld>
@@ -3221,7 +3253,7 @@
           <a:blip r:embed="rId7" cstate="email">
             <a:extLst>
               <a:ext uri="{28A0092B-C50C-407E-A947-70E740481C1C}">
-                <a14:useLocalDpi xmlns="" xmlns:a14="http://schemas.microsoft.com/office/drawing/2010/main"/>
+                <a14:useLocalDpi xmlns:a14="http://schemas.microsoft.com/office/drawing/2010/main"/>
               </a:ext>
             </a:extLst>
           </a:blip>
@@ -3239,7 +3271,7 @@
           <a:noFill/>
           <a:extLst>
             <a:ext uri="{909E8E84-426E-40DD-AFC4-6F175D3DCCD1}">
-              <a14:hiddenFill xmlns="" xmlns:a14="http://schemas.microsoft.com/office/drawing/2010/main">
+              <a14:hiddenFill xmlns:a14="http://schemas.microsoft.com/office/drawing/2010/main">
                 <a:solidFill>
                   <a:srgbClr val="FFFFFF"/>
                 </a:solidFill>
@@ -3273,14 +3305,14 @@
           <a:effectLst/>
           <a:extLst>
             <a:ext uri="{909E8E84-426E-40DD-AFC4-6F175D3DCCD1}">
-              <a14:hiddenFill xmlns="" xmlns:a14="http://schemas.microsoft.com/office/drawing/2010/main">
+              <a14:hiddenFill xmlns:a14="http://schemas.microsoft.com/office/drawing/2010/main">
                 <a:solidFill>
                   <a:schemeClr val="accent1"/>
                 </a:solidFill>
               </a14:hiddenFill>
             </a:ext>
             <a:ext uri="{91240B29-F687-4F45-9708-019B960494DF}">
-              <a14:hiddenLine xmlns="" xmlns:a14="http://schemas.microsoft.com/office/drawing/2010/main" w="9525">
+              <a14:hiddenLine xmlns:a14="http://schemas.microsoft.com/office/drawing/2010/main" w="9525">
                 <a:solidFill>
                   <a:schemeClr val="tx1"/>
                 </a:solidFill>
@@ -3290,7 +3322,7 @@
               </a14:hiddenLine>
             </a:ext>
             <a:ext uri="{AF507438-7753-43E0-B8FC-AC1667EBCBE1}">
-              <a14:hiddenEffects xmlns="" xmlns:a14="http://schemas.microsoft.com/office/drawing/2010/main">
+              <a14:hiddenEffects xmlns:a14="http://schemas.microsoft.com/office/drawing/2010/main">
                 <a:effectLst>
                   <a:outerShdw dist="35921" dir="2700000" algn="ctr" rotWithShape="0">
                     <a:schemeClr val="bg2"/>
@@ -3353,14 +3385,14 @@
           <a:effectLst/>
           <a:extLst>
             <a:ext uri="{909E8E84-426E-40DD-AFC4-6F175D3DCCD1}">
-              <a14:hiddenFill xmlns="" xmlns:a14="http://schemas.microsoft.com/office/drawing/2010/main">
+              <a14:hiddenFill xmlns:a14="http://schemas.microsoft.com/office/drawing/2010/main">
                 <a:solidFill>
                   <a:schemeClr val="accent1"/>
                 </a:solidFill>
               </a14:hiddenFill>
             </a:ext>
             <a:ext uri="{91240B29-F687-4F45-9708-019B960494DF}">
-              <a14:hiddenLine xmlns="" xmlns:a14="http://schemas.microsoft.com/office/drawing/2010/main" w="9525">
+              <a14:hiddenLine xmlns:a14="http://schemas.microsoft.com/office/drawing/2010/main" w="9525">
                 <a:solidFill>
                   <a:schemeClr val="tx1"/>
                 </a:solidFill>
@@ -3370,7 +3402,7 @@
               </a14:hiddenLine>
             </a:ext>
             <a:ext uri="{AF507438-7753-43E0-B8FC-AC1667EBCBE1}">
-              <a14:hiddenEffects xmlns="" xmlns:a14="http://schemas.microsoft.com/office/drawing/2010/main">
+              <a14:hiddenEffects xmlns:a14="http://schemas.microsoft.com/office/drawing/2010/main">
                 <a:effectLst>
                   <a:outerShdw dist="35921" dir="2700000" algn="ctr" rotWithShape="0">
                     <a:schemeClr val="bg2"/>
@@ -3423,7 +3455,7 @@
           <a:blip r:embed="rId7" cstate="email">
             <a:extLst>
               <a:ext uri="{28A0092B-C50C-407E-A947-70E740481C1C}">
-                <a14:useLocalDpi xmlns="" xmlns:a14="http://schemas.microsoft.com/office/drawing/2010/main"/>
+                <a14:useLocalDpi xmlns:a14="http://schemas.microsoft.com/office/drawing/2010/main"/>
               </a:ext>
             </a:extLst>
           </a:blip>
@@ -3441,7 +3473,7 @@
           <a:noFill/>
           <a:extLst>
             <a:ext uri="{909E8E84-426E-40DD-AFC4-6F175D3DCCD1}">
-              <a14:hiddenFill xmlns="" xmlns:a14="http://schemas.microsoft.com/office/drawing/2010/main">
+              <a14:hiddenFill xmlns:a14="http://schemas.microsoft.com/office/drawing/2010/main">
                 <a:solidFill>
                   <a:srgbClr val="FFFFFF"/>
                 </a:solidFill>
@@ -4033,7 +4065,7 @@
           <a:blip r:embed="rId2" cstate="email">
             <a:extLst>
               <a:ext uri="{28A0092B-C50C-407E-A947-70E740481C1C}">
-                <a14:useLocalDpi xmlns="" xmlns:a14="http://schemas.microsoft.com/office/drawing/2010/main"/>
+                <a14:useLocalDpi xmlns:a14="http://schemas.microsoft.com/office/drawing/2010/main"/>
               </a:ext>
             </a:extLst>
           </a:blip>
@@ -4052,14 +4084,14 @@
           </a:ln>
           <a:extLst>
             <a:ext uri="{909E8E84-426E-40DD-AFC4-6F175D3DCCD1}">
-              <a14:hiddenFill xmlns="" xmlns:a14="http://schemas.microsoft.com/office/drawing/2010/main">
+              <a14:hiddenFill xmlns:a14="http://schemas.microsoft.com/office/drawing/2010/main">
                 <a:solidFill>
                   <a:srgbClr val="FFFFFF"/>
                 </a:solidFill>
               </a14:hiddenFill>
             </a:ext>
             <a:ext uri="{91240B29-F687-4F45-9708-019B960494DF}">
-              <a14:hiddenLine xmlns="" xmlns:a14="http://schemas.microsoft.com/office/drawing/2010/main" w="9525">
+              <a14:hiddenLine xmlns:a14="http://schemas.microsoft.com/office/drawing/2010/main" w="9525">
                 <a:solidFill>
                   <a:srgbClr val="000000"/>
                 </a:solidFill>
@@ -4085,7 +4117,7 @@
           <a:blip r:embed="rId3" cstate="email">
             <a:extLst>
               <a:ext uri="{28A0092B-C50C-407E-A947-70E740481C1C}">
-                <a14:useLocalDpi xmlns="" xmlns:a14="http://schemas.microsoft.com/office/drawing/2010/main"/>
+                <a14:useLocalDpi xmlns:a14="http://schemas.microsoft.com/office/drawing/2010/main"/>
               </a:ext>
             </a:extLst>
           </a:blip>
@@ -4099,7 +4131,7 @@
           <a:noFill/>
           <a:extLst>
             <a:ext uri="{909E8E84-426E-40DD-AFC4-6F175D3DCCD1}">
-              <a14:hiddenFill xmlns="" xmlns:a14="http://schemas.microsoft.com/office/drawing/2010/main">
+              <a14:hiddenFill xmlns:a14="http://schemas.microsoft.com/office/drawing/2010/main">
                 <a:solidFill>
                   <a:srgbClr val="FFFFFF"/>
                 </a:solidFill>
@@ -4122,7 +4154,7 @@
           <a:blip r:embed="rId4" cstate="email">
             <a:extLst>
               <a:ext uri="{28A0092B-C50C-407E-A947-70E740481C1C}">
-                <a14:useLocalDpi xmlns="" xmlns:a14="http://schemas.microsoft.com/office/drawing/2010/main"/>
+                <a14:useLocalDpi xmlns:a14="http://schemas.microsoft.com/office/drawing/2010/main"/>
               </a:ext>
             </a:extLst>
           </a:blip>
@@ -4136,7 +4168,7 @@
           <a:noFill/>
           <a:extLst>
             <a:ext uri="{909E8E84-426E-40DD-AFC4-6F175D3DCCD1}">
-              <a14:hiddenFill xmlns="" xmlns:a14="http://schemas.microsoft.com/office/drawing/2010/main">
+              <a14:hiddenFill xmlns:a14="http://schemas.microsoft.com/office/drawing/2010/main">
                 <a:solidFill>
                   <a:srgbClr val="FFFFFF"/>
                 </a:solidFill>
@@ -4159,7 +4191,7 @@
           <a:blip r:embed="rId5" cstate="email">
             <a:extLst>
               <a:ext uri="{28A0092B-C50C-407E-A947-70E740481C1C}">
-                <a14:useLocalDpi xmlns="" xmlns:a14="http://schemas.microsoft.com/office/drawing/2010/main"/>
+                <a14:useLocalDpi xmlns:a14="http://schemas.microsoft.com/office/drawing/2010/main"/>
               </a:ext>
             </a:extLst>
           </a:blip>
@@ -4176,7 +4208,7 @@
           </a:ln>
           <a:extLst>
             <a:ext uri="{909E8E84-426E-40DD-AFC4-6F175D3DCCD1}">
-              <a14:hiddenFill xmlns="" xmlns:a14="http://schemas.microsoft.com/office/drawing/2010/main">
+              <a14:hiddenFill xmlns:a14="http://schemas.microsoft.com/office/drawing/2010/main">
                 <a:solidFill>
                   <a:srgbClr val="FFFFFF"/>
                 </a:solidFill>
@@ -4199,7 +4231,7 @@
           <a:blip r:embed="rId6" cstate="email">
             <a:extLst>
               <a:ext uri="{28A0092B-C50C-407E-A947-70E740481C1C}">
-                <a14:useLocalDpi xmlns="" xmlns:a14="http://schemas.microsoft.com/office/drawing/2010/main"/>
+                <a14:useLocalDpi xmlns:a14="http://schemas.microsoft.com/office/drawing/2010/main"/>
               </a:ext>
             </a:extLst>
           </a:blip>
@@ -4213,7 +4245,7 @@
           <a:noFill/>
           <a:extLst>
             <a:ext uri="{909E8E84-426E-40DD-AFC4-6F175D3DCCD1}">
-              <a14:hiddenFill xmlns="" xmlns:a14="http://schemas.microsoft.com/office/drawing/2010/main">
+              <a14:hiddenFill xmlns:a14="http://schemas.microsoft.com/office/drawing/2010/main">
                 <a:solidFill>
                   <a:srgbClr val="FFFFFF"/>
                 </a:solidFill>
@@ -4236,7 +4268,7 @@
           <a:blip r:embed="rId7" cstate="email">
             <a:extLst>
               <a:ext uri="{28A0092B-C50C-407E-A947-70E740481C1C}">
-                <a14:useLocalDpi xmlns="" xmlns:a14="http://schemas.microsoft.com/office/drawing/2010/main"/>
+                <a14:useLocalDpi xmlns:a14="http://schemas.microsoft.com/office/drawing/2010/main"/>
               </a:ext>
             </a:extLst>
           </a:blip>
@@ -4250,18 +4282,18 @@
     </p:spTree>
     <p:extLst>
       <p:ext uri="{BB962C8B-B14F-4D97-AF65-F5344CB8AC3E}">
-        <p14:creationId xmlns="" xmlns:p14="http://schemas.microsoft.com/office/powerpoint/2010/main" val="377435107"/>
+        <p14:creationId xmlns:p14="http://schemas.microsoft.com/office/powerpoint/2010/main" val="377435107"/>
       </p:ext>
     </p:extLst>
   </p:cSld>
   <p:clrMapOvr>
     <a:masterClrMapping/>
   </p:clrMapOvr>
-  <mc:AlternateContent xmlns:mc="http://schemas.openxmlformats.org/markup-compatibility/2006">
-    <mc:Choice xmlns="" xmlns:p14="http://schemas.microsoft.com/office/powerpoint/2010/main" Requires="p14">
+  <mc:AlternateContent xmlns:mc="http://schemas.openxmlformats.org/markup-compatibility/2006" xmlns:p14="http://schemas.microsoft.com/office/powerpoint/2010/main">
+    <mc:Choice Requires="p14">
       <p:transition spd="slow" p14:dur="2000"/>
     </mc:Choice>
-    <mc:Fallback>
+    <mc:Fallback xmlns="">
       <p:transition spd="slow"/>
     </mc:Fallback>
   </mc:AlternateContent>
@@ -4577,7 +4609,7 @@
           <a:blip r:embed="rId2">
             <a:extLst>
               <a:ext uri="{28A0092B-C50C-407E-A947-70E740481C1C}">
-                <a14:useLocalDpi xmlns:lc="http://schemas.openxmlformats.org/drawingml/2006/lockedCanvas" xmlns:pic="http://schemas.openxmlformats.org/drawingml/2006/picture" xmlns="" xmlns:wpc="http://schemas.microsoft.com/office/word/2010/wordprocessingCanvas" xmlns:mo="http://schemas.microsoft.com/office/mac/office/2008/main" xmlns:mc="http://schemas.openxmlformats.org/markup-compatibility/2006" xmlns:mv="urn:schemas-microsoft-com:mac:vml" xmlns:o="urn:schemas-microsoft-com:office:office" xmlns:v="urn:schemas-microsoft-com:vml" xmlns:wp14="http://schemas.microsoft.com/office/word/2010/wordprocessingDrawing" xmlns:w10="urn:schemas-microsoft-com:office:word" xmlns:w="http://schemas.openxmlformats.org/wordprocessingml/2006/main" xmlns:w14="http://schemas.microsoft.com/office/word/2010/wordml" xmlns:w15="http://schemas.microsoft.com/office/word/2012/wordml" xmlns:wpg="http://schemas.microsoft.com/office/word/2010/wordprocessingGroup" xmlns:wpi="http://schemas.microsoft.com/office/word/2010/wordprocessingInk" xmlns:wps="http://schemas.microsoft.com/office/word/2010/wordprocessingShape" xmlns:a14="http://schemas.microsoft.com/office/drawing/2010/main" xmlns:wne="http://schemas.microsoft.com/office/word/2006/wordml" xmlns:wp="http://schemas.openxmlformats.org/drawingml/2006/wordprocessingDrawing" xmlns:m="http://schemas.openxmlformats.org/officeDocument/2006/math" xmlns:ve="http://schemas.openxmlformats.org/markup-compatibility/2006" val="0"/>
+                <a14:useLocalDpi xmlns:a14="http://schemas.microsoft.com/office/drawing/2010/main" val="0"/>
               </a:ext>
             </a:extLst>
           </a:blip>
@@ -4674,7 +4706,7 @@
           <a:p>
             <a:r>
               <a:rPr lang="de-DE" dirty="0" smtClean="0"/>
-              <a:t>GUI Entwurf</a:t>
+              <a:t>Klassendiagramm</a:t>
             </a:r>
             <a:endParaRPr lang="de-DE" dirty="0"/>
           </a:p>
@@ -4704,6 +4736,155 @@
                 <a:defRPr/>
               </a:pPr>
               <a:t>4</a:t>
+            </a:fld>
+            <a:endParaRPr lang="de-DE" dirty="0"/>
+          </a:p>
+        </p:txBody>
+      </p:sp>
+      <p:pic>
+        <p:nvPicPr>
+          <p:cNvPr id="8" name="Bild 7"/>
+          <p:cNvPicPr>
+            <a:picLocks noChangeAspect="1"/>
+          </p:cNvPicPr>
+          <p:nvPr/>
+        </p:nvPicPr>
+        <p:blipFill>
+          <a:blip r:embed="rId2" cstate="print">
+            <a:extLst>
+              <a:ext uri="{28A0092B-C50C-407E-A947-70E740481C1C}">
+                <a14:useLocalDpi xmlns:a14="http://schemas.microsoft.com/office/drawing/2010/main" val="0"/>
+              </a:ext>
+            </a:extLst>
+          </a:blip>
+          <a:stretch>
+            <a:fillRect/>
+          </a:stretch>
+        </p:blipFill>
+        <p:spPr>
+          <a:xfrm>
+            <a:off x="84665" y="2215018"/>
+            <a:ext cx="8940800" cy="2464817"/>
+          </a:xfrm>
+          <a:prstGeom prst="rect">
+            <a:avLst/>
+          </a:prstGeom>
+        </p:spPr>
+      </p:pic>
+    </p:spTree>
+    <p:extLst>
+      <p:ext uri="{BB962C8B-B14F-4D97-AF65-F5344CB8AC3E}">
+        <p14:creationId xmlns:p14="http://schemas.microsoft.com/office/powerpoint/2010/main" val="170266732"/>
+      </p:ext>
+    </p:extLst>
+  </p:cSld>
+  <p:clrMapOvr>
+    <a:masterClrMapping/>
+  </p:clrMapOvr>
+  <p:timing>
+    <p:tnLst>
+      <p:par>
+        <p:cTn id="1" dur="indefinite" restart="never" nodeType="tmRoot"/>
+      </p:par>
+    </p:tnLst>
+  </p:timing>
+</p:sld>
+</file>
+
+<file path=ppt/slides/slide5.xml><?xml version="1.0" encoding="utf-8"?>
+<p:sld xmlns:a="http://schemas.openxmlformats.org/drawingml/2006/main" xmlns:r="http://schemas.openxmlformats.org/officeDocument/2006/relationships" xmlns:p="http://schemas.openxmlformats.org/presentationml/2006/main">
+  <p:cSld>
+    <p:spTree>
+      <p:nvGrpSpPr>
+        <p:cNvPr id="1" name=""/>
+        <p:cNvGrpSpPr/>
+        <p:nvPr/>
+      </p:nvGrpSpPr>
+      <p:grpSpPr>
+        <a:xfrm>
+          <a:off x="0" y="0"/>
+          <a:ext cx="0" cy="0"/>
+          <a:chOff x="0" y="0"/>
+          <a:chExt cx="0" cy="0"/>
+        </a:xfrm>
+      </p:grpSpPr>
+      <p:sp>
+        <p:nvSpPr>
+          <p:cNvPr id="2" name="Fußzeilenplatzhalter 1"/>
+          <p:cNvSpPr>
+            <a:spLocks noGrp="1"/>
+          </p:cNvSpPr>
+          <p:nvPr>
+            <p:ph type="ftr" sz="quarter" idx="10"/>
+          </p:nvPr>
+        </p:nvSpPr>
+        <p:spPr/>
+        <p:txBody>
+          <a:bodyPr/>
+          <a:lstStyle/>
+          <a:p>
+            <a:pPr>
+              <a:defRPr/>
+            </a:pPr>
+            <a:r>
+              <a:rPr lang="de-DE" smtClean="0"/>
+              <a:t>42 Media - 08.07.2016</a:t>
+            </a:r>
+            <a:endParaRPr lang="de-DE" dirty="0">
+              <a:solidFill>
+                <a:schemeClr val="bg2"/>
+              </a:solidFill>
+            </a:endParaRPr>
+          </a:p>
+        </p:txBody>
+      </p:sp>
+      <p:sp>
+        <p:nvSpPr>
+          <p:cNvPr id="4" name="Textplatzhalter 3"/>
+          <p:cNvSpPr>
+            <a:spLocks noGrp="1"/>
+          </p:cNvSpPr>
+          <p:nvPr>
+            <p:ph type="body" sz="quarter" idx="12"/>
+          </p:nvPr>
+        </p:nvSpPr>
+        <p:spPr/>
+        <p:txBody>
+          <a:bodyPr/>
+          <a:lstStyle/>
+          <a:p>
+            <a:r>
+              <a:rPr lang="de-DE" dirty="0" smtClean="0"/>
+              <a:t>GUI Entwurf</a:t>
+            </a:r>
+            <a:endParaRPr lang="de-DE" dirty="0"/>
+          </a:p>
+        </p:txBody>
+      </p:sp>
+      <p:sp>
+        <p:nvSpPr>
+          <p:cNvPr id="5" name="Foliennummernplatzhalter 4"/>
+          <p:cNvSpPr>
+            <a:spLocks noGrp="1"/>
+          </p:cNvSpPr>
+          <p:nvPr>
+            <p:ph type="sldNum" sz="quarter" idx="11"/>
+          </p:nvPr>
+        </p:nvSpPr>
+        <p:spPr/>
+        <p:txBody>
+          <a:bodyPr/>
+          <a:lstStyle/>
+          <a:p>
+            <a:pPr>
+              <a:defRPr/>
+            </a:pPr>
+            <a:fld id="{3947C368-A11C-419F-9365-AEB3173B989C}" type="slidenum">
+              <a:rPr lang="de-DE" smtClean="0"/>
+              <a:pPr>
+                <a:defRPr/>
+              </a:pPr>
+              <a:t>5</a:t>
             </a:fld>
             <a:endParaRPr lang="de-DE" dirty="0"/>
           </a:p>
@@ -4721,7 +4902,7 @@
           <a:blip r:embed="rId2" cstate="print">
             <a:extLst>
               <a:ext uri="{28A0092B-C50C-407E-A947-70E740481C1C}">
-                <a14:useLocalDpi xmlns:lc="http://schemas.openxmlformats.org/drawingml/2006/lockedCanvas" xmlns:pic="http://schemas.openxmlformats.org/drawingml/2006/picture" xmlns:a14="http://schemas.microsoft.com/office/drawing/2010/main" xmlns:wps="http://schemas.microsoft.com/office/word/2010/wordprocessingShape" xmlns:wne="http://schemas.microsoft.com/office/word/2006/wordml" xmlns:wpi="http://schemas.microsoft.com/office/word/2010/wordprocessingInk" xmlns:wpg="http://schemas.microsoft.com/office/word/2010/wordprocessingGroup" xmlns:w14="http://schemas.microsoft.com/office/word/2010/wordml" xmlns:w="http://schemas.openxmlformats.org/wordprocessingml/2006/main" xmlns:w10="urn:schemas-microsoft-com:office:word" xmlns:wp="http://schemas.openxmlformats.org/drawingml/2006/wordprocessingDrawing" xmlns:wp14="http://schemas.microsoft.com/office/word/2010/wordprocessingDrawing" xmlns:v="urn:schemas-microsoft-com:vml" xmlns:m="http://schemas.openxmlformats.org/officeDocument/2006/math" xmlns:o="urn:schemas-microsoft-com:office:office" xmlns:mc="http://schemas.openxmlformats.org/markup-compatibility/2006" xmlns:wpc="http://schemas.microsoft.com/office/word/2010/wordprocessingCanvas" xmlns="" val="0"/>
+                <a14:useLocalDpi xmlns:a14="http://schemas.microsoft.com/office/drawing/2010/main" val="0"/>
               </a:ext>
             </a:extLst>
           </a:blip>
@@ -4741,7 +4922,7 @@
           </a:ln>
           <a:extLst>
             <a:ext uri="{53640926-AAD7-44D8-BBD7-CCE9431645EC}">
-              <a14:shadowObscured xmlns:lc="http://schemas.openxmlformats.org/drawingml/2006/lockedCanvas" xmlns:pic="http://schemas.openxmlformats.org/drawingml/2006/picture" xmlns:a14="http://schemas.microsoft.com/office/drawing/2010/main" xmlns:wps="http://schemas.microsoft.com/office/word/2010/wordprocessingShape" xmlns:wne="http://schemas.microsoft.com/office/word/2006/wordml" xmlns:wpi="http://schemas.microsoft.com/office/word/2010/wordprocessingInk" xmlns:wpg="http://schemas.microsoft.com/office/word/2010/wordprocessingGroup" xmlns:w14="http://schemas.microsoft.com/office/word/2010/wordml" xmlns:w="http://schemas.openxmlformats.org/wordprocessingml/2006/main" xmlns:w10="urn:schemas-microsoft-com:office:word" xmlns:wp="http://schemas.openxmlformats.org/drawingml/2006/wordprocessingDrawing" xmlns:wp14="http://schemas.microsoft.com/office/word/2010/wordprocessingDrawing" xmlns:v="urn:schemas-microsoft-com:vml" xmlns:m="http://schemas.openxmlformats.org/officeDocument/2006/math" xmlns:o="urn:schemas-microsoft-com:office:office" xmlns:mc="http://schemas.openxmlformats.org/markup-compatibility/2006" xmlns:wpc="http://schemas.microsoft.com/office/word/2010/wordprocessingCanvas" xmlns=""/>
+              <a14:shadowObscured xmlns:a14="http://schemas.microsoft.com/office/drawing/2010/main"/>
             </a:ext>
           </a:extLst>
         </p:spPr>
@@ -5471,7 +5652,7 @@
 </p:sld>
 </file>
 
-<file path=ppt/slides/slide5.xml><?xml version="1.0" encoding="utf-8"?>
+<file path=ppt/slides/slide6.xml><?xml version="1.0" encoding="utf-8"?>
 <p:sld xmlns:a="http://schemas.openxmlformats.org/drawingml/2006/main" xmlns:r="http://schemas.openxmlformats.org/officeDocument/2006/relationships" xmlns:p="http://schemas.openxmlformats.org/presentationml/2006/main">
   <p:cSld>
     <p:spTree>
@@ -5564,7 +5745,7 @@
               <a:pPr>
                 <a:defRPr/>
               </a:pPr>
-              <a:t>5</a:t>
+              <a:t>6</a:t>
             </a:fld>
             <a:endParaRPr lang="de-DE" dirty="0"/>
           </a:p>
@@ -5624,7 +5805,7 @@
 </p:sld>
 </file>
 
-<file path=ppt/slides/slide6.xml><?xml version="1.0" encoding="utf-8"?>
+<file path=ppt/slides/slide7.xml><?xml version="1.0" encoding="utf-8"?>
 <p:sld xmlns:a="http://schemas.openxmlformats.org/drawingml/2006/main" xmlns:r="http://schemas.openxmlformats.org/officeDocument/2006/relationships" xmlns:p="http://schemas.openxmlformats.org/presentationml/2006/main">
   <p:cSld>
     <p:spTree>
@@ -5681,14 +5862,19 @@
             <p:ph type="body" sz="quarter" idx="12"/>
           </p:nvPr>
         </p:nvSpPr>
-        <p:spPr/>
+        <p:spPr>
+          <a:xfrm>
+            <a:off x="372745" y="3153622"/>
+            <a:ext cx="8346440" cy="426085"/>
+          </a:xfrm>
+        </p:spPr>
         <p:txBody>
           <a:bodyPr/>
           <a:lstStyle/>
           <a:p>
             <a:r>
               <a:rPr lang="de-DE" dirty="0" smtClean="0"/>
-              <a:t>Vielen Dank für die Aufmerksamkeit</a:t>
+              <a:t>FAZIT</a:t>
             </a:r>
             <a:endParaRPr lang="de-DE" dirty="0"/>
           </a:p>
@@ -5717,7 +5903,119 @@
               <a:pPr>
                 <a:defRPr/>
               </a:pPr>
-              <a:t>6</a:t>
+              <a:t>7</a:t>
+            </a:fld>
+            <a:endParaRPr lang="de-DE" dirty="0"/>
+          </a:p>
+        </p:txBody>
+      </p:sp>
+    </p:spTree>
+    <p:extLst>
+      <p:ext uri="{BB962C8B-B14F-4D97-AF65-F5344CB8AC3E}">
+        <p14:creationId xmlns:p14="http://schemas.microsoft.com/office/powerpoint/2010/main" val="37756359"/>
+      </p:ext>
+    </p:extLst>
+  </p:cSld>
+  <p:clrMapOvr>
+    <a:masterClrMapping/>
+  </p:clrMapOvr>
+</p:sld>
+</file>
+
+<file path=ppt/slides/slide8.xml><?xml version="1.0" encoding="utf-8"?>
+<p:sld xmlns:a="http://schemas.openxmlformats.org/drawingml/2006/main" xmlns:r="http://schemas.openxmlformats.org/officeDocument/2006/relationships" xmlns:p="http://schemas.openxmlformats.org/presentationml/2006/main">
+  <p:cSld>
+    <p:spTree>
+      <p:nvGrpSpPr>
+        <p:cNvPr id="1" name=""/>
+        <p:cNvGrpSpPr/>
+        <p:nvPr/>
+      </p:nvGrpSpPr>
+      <p:grpSpPr>
+        <a:xfrm>
+          <a:off x="0" y="0"/>
+          <a:ext cx="0" cy="0"/>
+          <a:chOff x="0" y="0"/>
+          <a:chExt cx="0" cy="0"/>
+        </a:xfrm>
+      </p:grpSpPr>
+      <p:sp>
+        <p:nvSpPr>
+          <p:cNvPr id="2" name="Fußzeilenplatzhalter 1"/>
+          <p:cNvSpPr>
+            <a:spLocks noGrp="1"/>
+          </p:cNvSpPr>
+          <p:nvPr>
+            <p:ph type="ftr" sz="quarter" idx="10"/>
+          </p:nvPr>
+        </p:nvSpPr>
+        <p:spPr/>
+        <p:txBody>
+          <a:bodyPr/>
+          <a:lstStyle/>
+          <a:p>
+            <a:pPr>
+              <a:defRPr/>
+            </a:pPr>
+            <a:r>
+              <a:rPr lang="de-DE" smtClean="0"/>
+              <a:t>42 Media - 08.07.2016</a:t>
+            </a:r>
+            <a:endParaRPr lang="de-DE" dirty="0">
+              <a:solidFill>
+                <a:schemeClr val="bg2"/>
+              </a:solidFill>
+            </a:endParaRPr>
+          </a:p>
+        </p:txBody>
+      </p:sp>
+      <p:sp>
+        <p:nvSpPr>
+          <p:cNvPr id="4" name="Textplatzhalter 3"/>
+          <p:cNvSpPr>
+            <a:spLocks noGrp="1"/>
+          </p:cNvSpPr>
+          <p:nvPr>
+            <p:ph type="body" sz="quarter" idx="12"/>
+          </p:nvPr>
+        </p:nvSpPr>
+        <p:spPr/>
+        <p:txBody>
+          <a:bodyPr/>
+          <a:lstStyle/>
+          <a:p>
+            <a:r>
+              <a:rPr lang="de-DE" dirty="0" smtClean="0"/>
+              <a:t>Vielen Dank für die Aufmerksamkeit</a:t>
+            </a:r>
+            <a:endParaRPr lang="de-DE" dirty="0"/>
+          </a:p>
+        </p:txBody>
+      </p:sp>
+      <p:sp>
+        <p:nvSpPr>
+          <p:cNvPr id="5" name="Foliennummernplatzhalter 4"/>
+          <p:cNvSpPr>
+            <a:spLocks noGrp="1"/>
+          </p:cNvSpPr>
+          <p:nvPr>
+            <p:ph type="sldNum" sz="quarter" idx="11"/>
+          </p:nvPr>
+        </p:nvSpPr>
+        <p:spPr/>
+        <p:txBody>
+          <a:bodyPr/>
+          <a:lstStyle/>
+          <a:p>
+            <a:pPr>
+              <a:defRPr/>
+            </a:pPr>
+            <a:fld id="{3947C368-A11C-419F-9365-AEB3173B989C}" type="slidenum">
+              <a:rPr lang="de-DE" smtClean="0"/>
+              <a:pPr>
+                <a:defRPr/>
+              </a:pPr>
+              <a:t>8</a:t>
             </a:fld>
             <a:endParaRPr lang="de-DE" dirty="0"/>
           </a:p>
